--- a/Practica_CSS_Basico28-01-26.pptx
+++ b/Practica_CSS_Basico28-01-26.pptx
@@ -5,28 +5,21 @@
     <p:sldMasterId id="2147483648" r:id="rId1"/>
   </p:sldMasterIdLst>
   <p:sldIdLst>
-    <p:sldId id="256" r:id="rId7"/>
-    <p:sldId id="257" r:id="rId8"/>
-    <p:sldId id="258" r:id="rId9"/>
-    <p:sldId id="259" r:id="rId10"/>
-    <p:sldId id="260" r:id="rId11"/>
-    <p:sldId id="261" r:id="rId12"/>
-    <p:sldId id="262" r:id="rId13"/>
-    <p:sldId id="263" r:id="rId14"/>
-    <p:sldId id="264" r:id="rId15"/>
-    <p:sldId id="265" r:id="rId16"/>
-    <p:sldId id="266" r:id="rId17"/>
-    <p:sldId id="267" r:id="rId18"/>
-    <p:sldId id="268" r:id="rId19"/>
-    <p:sldId id="269" r:id="rId20"/>
-    <p:sldId id="270" r:id="rId21"/>
-    <p:sldId id="271" r:id="rId22"/>
-    <p:sldId id="272" r:id="rId23"/>
-    <p:sldId id="273" r:id="rId24"/>
-    <p:sldId id="274" r:id="rId25"/>
-    <p:sldId id="275" r:id="rId26"/>
-    <p:sldId id="276" r:id="rId27"/>
-    <p:sldId id="277" r:id="rId28"/>
+    <p:sldId id="256" r:id="rId2"/>
+    <p:sldId id="257" r:id="rId3"/>
+    <p:sldId id="258" r:id="rId4"/>
+    <p:sldId id="259" r:id="rId5"/>
+    <p:sldId id="260" r:id="rId6"/>
+    <p:sldId id="261" r:id="rId7"/>
+    <p:sldId id="262" r:id="rId8"/>
+    <p:sldId id="263" r:id="rId9"/>
+    <p:sldId id="264" r:id="rId10"/>
+    <p:sldId id="265" r:id="rId11"/>
+    <p:sldId id="266" r:id="rId12"/>
+    <p:sldId id="267" r:id="rId13"/>
+    <p:sldId id="268" r:id="rId14"/>
+    <p:sldId id="269" r:id="rId15"/>
+    <p:sldId id="270" r:id="rId16"/>
   </p:sldIdLst>
   <p:sldSz cx="9144000" cy="6858000" type="screen4x3"/>
   <p:notesSz cx="6858000" cy="9144000"/>
@@ -125,6 +118,22 @@
       </a:defRPr>
     </a:lvl9pPr>
   </p:defaultTextStyle>
+  <p:extLst>
+    <p:ext uri="{EFAFB233-063F-42B5-8137-9DF3F51BA10A}">
+      <p15:sldGuideLst xmlns:p15="http://schemas.microsoft.com/office/powerpoint/2012/main">
+        <p15:guide id="1" orient="horz" pos="2160">
+          <p15:clr>
+            <a:srgbClr val="A4A3A4"/>
+          </p15:clr>
+        </p15:guide>
+        <p15:guide id="2" pos="2880">
+          <p15:clr>
+            <a:srgbClr val="A4A3A4"/>
+          </p15:clr>
+        </p15:guide>
+      </p15:sldGuideLst>
+    </p:ext>
+  </p:extLst>
 </p:presentation>
 </file>
 
@@ -166,10 +175,9 @@
           <a:lstStyle/>
           <a:p>
             <a:r>
-              <a:rPr lang="en-US" smtClean="0"/>
+              <a:rPr lang="en-US"/>
               <a:t>Click to edit Master title style</a:t>
             </a:r>
-            <a:endParaRPr lang="en-US"/>
           </a:p>
         </p:txBody>
       </p:sp>
@@ -285,10 +293,9 @@
           </a:lstStyle>
           <a:p>
             <a:r>
-              <a:rPr lang="en-US" smtClean="0"/>
+              <a:rPr lang="en-US"/>
               <a:t>Click to edit Master subtitle style</a:t>
             </a:r>
-            <a:endParaRPr lang="en-US"/>
           </a:p>
         </p:txBody>
       </p:sp>
@@ -309,7 +316,7 @@
           <a:p>
             <a:fld id="{5BCAD085-E8A6-8845-BD4E-CB4CCA059FC4}" type="datetimeFigureOut">
               <a:rPr lang="en-US" smtClean="0"/>
-              <a:t>1/27/13</a:t>
+              <a:t>1/28/26</a:t>
             </a:fld>
             <a:endParaRPr lang="en-US"/>
           </a:p>
@@ -351,7 +358,7 @@
           <a:p>
             <a:fld id="{C1FF6DA9-008F-8B48-92A6-B652298478BF}" type="slidenum">
               <a:rPr lang="en-US" smtClean="0"/>
-              <a:t>‹#›</a:t>
+              <a:t>‹Nº›</a:t>
             </a:fld>
             <a:endParaRPr lang="en-US"/>
           </a:p>
@@ -403,10 +410,9 @@
           <a:lstStyle/>
           <a:p>
             <a:r>
-              <a:rPr lang="en-US" smtClean="0"/>
+              <a:rPr lang="en-US"/>
               <a:t>Click to edit Master title style</a:t>
             </a:r>
-            <a:endParaRPr lang="en-US"/>
           </a:p>
         </p:txBody>
       </p:sp>
@@ -427,38 +433,37 @@
           <a:p>
             <a:pPr lvl="0"/>
             <a:r>
-              <a:rPr lang="en-US" smtClean="0"/>
+              <a:rPr lang="en-US"/>
               <a:t>Click to edit Master text styles</a:t>
             </a:r>
           </a:p>
           <a:p>
             <a:pPr lvl="1"/>
             <a:r>
-              <a:rPr lang="en-US" smtClean="0"/>
+              <a:rPr lang="en-US"/>
               <a:t>Second level</a:t>
             </a:r>
           </a:p>
           <a:p>
             <a:pPr lvl="2"/>
             <a:r>
-              <a:rPr lang="en-US" smtClean="0"/>
+              <a:rPr lang="en-US"/>
               <a:t>Third level</a:t>
             </a:r>
           </a:p>
           <a:p>
             <a:pPr lvl="3"/>
             <a:r>
-              <a:rPr lang="en-US" smtClean="0"/>
+              <a:rPr lang="en-US"/>
               <a:t>Fourth level</a:t>
             </a:r>
           </a:p>
           <a:p>
             <a:pPr lvl="4"/>
             <a:r>
-              <a:rPr lang="en-US" smtClean="0"/>
+              <a:rPr lang="en-US"/>
               <a:t>Fifth level</a:t>
             </a:r>
-            <a:endParaRPr lang="en-US"/>
           </a:p>
         </p:txBody>
       </p:sp>
@@ -479,7 +484,7 @@
           <a:p>
             <a:fld id="{5BCAD085-E8A6-8845-BD4E-CB4CCA059FC4}" type="datetimeFigureOut">
               <a:rPr lang="en-US" smtClean="0"/>
-              <a:t>1/27/13</a:t>
+              <a:t>1/28/26</a:t>
             </a:fld>
             <a:endParaRPr lang="en-US"/>
           </a:p>
@@ -521,7 +526,7 @@
           <a:p>
             <a:fld id="{C1FF6DA9-008F-8B48-92A6-B652298478BF}" type="slidenum">
               <a:rPr lang="en-US" smtClean="0"/>
-              <a:t>‹#›</a:t>
+              <a:t>‹Nº›</a:t>
             </a:fld>
             <a:endParaRPr lang="en-US"/>
           </a:p>
@@ -578,10 +583,9 @@
           <a:lstStyle/>
           <a:p>
             <a:r>
-              <a:rPr lang="en-US" smtClean="0"/>
+              <a:rPr lang="en-US"/>
               <a:t>Click to edit Master title style</a:t>
             </a:r>
-            <a:endParaRPr lang="en-US"/>
           </a:p>
         </p:txBody>
       </p:sp>
@@ -607,38 +611,37 @@
           <a:p>
             <a:pPr lvl="0"/>
             <a:r>
-              <a:rPr lang="en-US" smtClean="0"/>
+              <a:rPr lang="en-US"/>
               <a:t>Click to edit Master text styles</a:t>
             </a:r>
           </a:p>
           <a:p>
             <a:pPr lvl="1"/>
             <a:r>
-              <a:rPr lang="en-US" smtClean="0"/>
+              <a:rPr lang="en-US"/>
               <a:t>Second level</a:t>
             </a:r>
           </a:p>
           <a:p>
             <a:pPr lvl="2"/>
             <a:r>
-              <a:rPr lang="en-US" smtClean="0"/>
+              <a:rPr lang="en-US"/>
               <a:t>Third level</a:t>
             </a:r>
           </a:p>
           <a:p>
             <a:pPr lvl="3"/>
             <a:r>
-              <a:rPr lang="en-US" smtClean="0"/>
+              <a:rPr lang="en-US"/>
               <a:t>Fourth level</a:t>
             </a:r>
           </a:p>
           <a:p>
             <a:pPr lvl="4"/>
             <a:r>
-              <a:rPr lang="en-US" smtClean="0"/>
+              <a:rPr lang="en-US"/>
               <a:t>Fifth level</a:t>
             </a:r>
-            <a:endParaRPr lang="en-US"/>
           </a:p>
         </p:txBody>
       </p:sp>
@@ -659,7 +662,7 @@
           <a:p>
             <a:fld id="{5BCAD085-E8A6-8845-BD4E-CB4CCA059FC4}" type="datetimeFigureOut">
               <a:rPr lang="en-US" smtClean="0"/>
-              <a:t>1/27/13</a:t>
+              <a:t>1/28/26</a:t>
             </a:fld>
             <a:endParaRPr lang="en-US"/>
           </a:p>
@@ -701,7 +704,7 @@
           <a:p>
             <a:fld id="{C1FF6DA9-008F-8B48-92A6-B652298478BF}" type="slidenum">
               <a:rPr lang="en-US" smtClean="0"/>
-              <a:t>‹#›</a:t>
+              <a:t>‹Nº›</a:t>
             </a:fld>
             <a:endParaRPr lang="en-US"/>
           </a:p>
@@ -753,10 +756,9 @@
           <a:lstStyle/>
           <a:p>
             <a:r>
-              <a:rPr lang="en-US" smtClean="0"/>
+              <a:rPr lang="en-US"/>
               <a:t>Click to edit Master title style</a:t>
             </a:r>
-            <a:endParaRPr lang="en-US"/>
           </a:p>
         </p:txBody>
       </p:sp>
@@ -777,38 +779,37 @@
           <a:p>
             <a:pPr lvl="0"/>
             <a:r>
-              <a:rPr lang="en-US" smtClean="0"/>
+              <a:rPr lang="en-US"/>
               <a:t>Click to edit Master text styles</a:t>
             </a:r>
           </a:p>
           <a:p>
             <a:pPr lvl="1"/>
             <a:r>
-              <a:rPr lang="en-US" smtClean="0"/>
+              <a:rPr lang="en-US"/>
               <a:t>Second level</a:t>
             </a:r>
           </a:p>
           <a:p>
             <a:pPr lvl="2"/>
             <a:r>
-              <a:rPr lang="en-US" smtClean="0"/>
+              <a:rPr lang="en-US"/>
               <a:t>Third level</a:t>
             </a:r>
           </a:p>
           <a:p>
             <a:pPr lvl="3"/>
             <a:r>
-              <a:rPr lang="en-US" smtClean="0"/>
+              <a:rPr lang="en-US"/>
               <a:t>Fourth level</a:t>
             </a:r>
           </a:p>
           <a:p>
             <a:pPr lvl="4"/>
             <a:r>
-              <a:rPr lang="en-US" smtClean="0"/>
+              <a:rPr lang="en-US"/>
               <a:t>Fifth level</a:t>
             </a:r>
-            <a:endParaRPr lang="en-US"/>
           </a:p>
         </p:txBody>
       </p:sp>
@@ -829,7 +830,7 @@
           <a:p>
             <a:fld id="{5BCAD085-E8A6-8845-BD4E-CB4CCA059FC4}" type="datetimeFigureOut">
               <a:rPr lang="en-US" smtClean="0"/>
-              <a:t>1/27/13</a:t>
+              <a:t>1/28/26</a:t>
             </a:fld>
             <a:endParaRPr lang="en-US"/>
           </a:p>
@@ -871,7 +872,7 @@
           <a:p>
             <a:fld id="{C1FF6DA9-008F-8B48-92A6-B652298478BF}" type="slidenum">
               <a:rPr lang="en-US" smtClean="0"/>
-              <a:t>‹#›</a:t>
+              <a:t>‹Nº›</a:t>
             </a:fld>
             <a:endParaRPr lang="en-US"/>
           </a:p>
@@ -932,10 +933,9 @@
           </a:lstStyle>
           <a:p>
             <a:r>
-              <a:rPr lang="en-US" smtClean="0"/>
+              <a:rPr lang="en-US"/>
               <a:t>Click to edit Master title style</a:t>
             </a:r>
-            <a:endParaRPr lang="en-US"/>
           </a:p>
         </p:txBody>
       </p:sp>
@@ -1052,7 +1052,7 @@
           <a:p>
             <a:pPr lvl="0"/>
             <a:r>
-              <a:rPr lang="en-US" smtClean="0"/>
+              <a:rPr lang="en-US"/>
               <a:t>Click to edit Master text styles</a:t>
             </a:r>
           </a:p>
@@ -1075,7 +1075,7 @@
           <a:p>
             <a:fld id="{5BCAD085-E8A6-8845-BD4E-CB4CCA059FC4}" type="datetimeFigureOut">
               <a:rPr lang="en-US" smtClean="0"/>
-              <a:t>1/27/13</a:t>
+              <a:t>1/28/26</a:t>
             </a:fld>
             <a:endParaRPr lang="en-US"/>
           </a:p>
@@ -1117,7 +1117,7 @@
           <a:p>
             <a:fld id="{C1FF6DA9-008F-8B48-92A6-B652298478BF}" type="slidenum">
               <a:rPr lang="en-US" smtClean="0"/>
-              <a:t>‹#›</a:t>
+              <a:t>‹Nº›</a:t>
             </a:fld>
             <a:endParaRPr lang="en-US"/>
           </a:p>
@@ -1169,10 +1169,9 @@
           <a:lstStyle/>
           <a:p>
             <a:r>
-              <a:rPr lang="en-US" smtClean="0"/>
+              <a:rPr lang="en-US"/>
               <a:t>Click to edit Master title style</a:t>
             </a:r>
-            <a:endParaRPr lang="en-US"/>
           </a:p>
         </p:txBody>
       </p:sp>
@@ -1226,38 +1225,37 @@
           <a:p>
             <a:pPr lvl="0"/>
             <a:r>
-              <a:rPr lang="en-US" smtClean="0"/>
+              <a:rPr lang="en-US"/>
               <a:t>Click to edit Master text styles</a:t>
             </a:r>
           </a:p>
           <a:p>
             <a:pPr lvl="1"/>
             <a:r>
-              <a:rPr lang="en-US" smtClean="0"/>
+              <a:rPr lang="en-US"/>
               <a:t>Second level</a:t>
             </a:r>
           </a:p>
           <a:p>
             <a:pPr lvl="2"/>
             <a:r>
-              <a:rPr lang="en-US" smtClean="0"/>
+              <a:rPr lang="en-US"/>
               <a:t>Third level</a:t>
             </a:r>
           </a:p>
           <a:p>
             <a:pPr lvl="3"/>
             <a:r>
-              <a:rPr lang="en-US" smtClean="0"/>
+              <a:rPr lang="en-US"/>
               <a:t>Fourth level</a:t>
             </a:r>
           </a:p>
           <a:p>
             <a:pPr lvl="4"/>
             <a:r>
-              <a:rPr lang="en-US" smtClean="0"/>
+              <a:rPr lang="en-US"/>
               <a:t>Fifth level</a:t>
             </a:r>
-            <a:endParaRPr lang="en-US"/>
           </a:p>
         </p:txBody>
       </p:sp>
@@ -1311,38 +1309,37 @@
           <a:p>
             <a:pPr lvl="0"/>
             <a:r>
-              <a:rPr lang="en-US" smtClean="0"/>
+              <a:rPr lang="en-US"/>
               <a:t>Click to edit Master text styles</a:t>
             </a:r>
           </a:p>
           <a:p>
             <a:pPr lvl="1"/>
             <a:r>
-              <a:rPr lang="en-US" smtClean="0"/>
+              <a:rPr lang="en-US"/>
               <a:t>Second level</a:t>
             </a:r>
           </a:p>
           <a:p>
             <a:pPr lvl="2"/>
             <a:r>
-              <a:rPr lang="en-US" smtClean="0"/>
+              <a:rPr lang="en-US"/>
               <a:t>Third level</a:t>
             </a:r>
           </a:p>
           <a:p>
             <a:pPr lvl="3"/>
             <a:r>
-              <a:rPr lang="en-US" smtClean="0"/>
+              <a:rPr lang="en-US"/>
               <a:t>Fourth level</a:t>
             </a:r>
           </a:p>
           <a:p>
             <a:pPr lvl="4"/>
             <a:r>
-              <a:rPr lang="en-US" smtClean="0"/>
+              <a:rPr lang="en-US"/>
               <a:t>Fifth level</a:t>
             </a:r>
-            <a:endParaRPr lang="en-US"/>
           </a:p>
         </p:txBody>
       </p:sp>
@@ -1363,7 +1360,7 @@
           <a:p>
             <a:fld id="{5BCAD085-E8A6-8845-BD4E-CB4CCA059FC4}" type="datetimeFigureOut">
               <a:rPr lang="en-US" smtClean="0"/>
-              <a:t>1/27/13</a:t>
+              <a:t>1/28/26</a:t>
             </a:fld>
             <a:endParaRPr lang="en-US"/>
           </a:p>
@@ -1405,7 +1402,7 @@
           <a:p>
             <a:fld id="{C1FF6DA9-008F-8B48-92A6-B652298478BF}" type="slidenum">
               <a:rPr lang="en-US" smtClean="0"/>
-              <a:t>‹#›</a:t>
+              <a:t>‹Nº›</a:t>
             </a:fld>
             <a:endParaRPr lang="en-US"/>
           </a:p>
@@ -1461,10 +1458,9 @@
           </a:lstStyle>
           <a:p>
             <a:r>
-              <a:rPr lang="en-US" smtClean="0"/>
+              <a:rPr lang="en-US"/>
               <a:t>Click to edit Master title style</a:t>
             </a:r>
-            <a:endParaRPr lang="en-US"/>
           </a:p>
         </p:txBody>
       </p:sp>
@@ -1527,7 +1523,7 @@
           <a:p>
             <a:pPr lvl="0"/>
             <a:r>
-              <a:rPr lang="en-US" smtClean="0"/>
+              <a:rPr lang="en-US"/>
               <a:t>Click to edit Master text styles</a:t>
             </a:r>
           </a:p>
@@ -1583,38 +1579,37 @@
           <a:p>
             <a:pPr lvl="0"/>
             <a:r>
-              <a:rPr lang="en-US" smtClean="0"/>
+              <a:rPr lang="en-US"/>
               <a:t>Click to edit Master text styles</a:t>
             </a:r>
           </a:p>
           <a:p>
             <a:pPr lvl="1"/>
             <a:r>
-              <a:rPr lang="en-US" smtClean="0"/>
+              <a:rPr lang="en-US"/>
               <a:t>Second level</a:t>
             </a:r>
           </a:p>
           <a:p>
             <a:pPr lvl="2"/>
             <a:r>
-              <a:rPr lang="en-US" smtClean="0"/>
+              <a:rPr lang="en-US"/>
               <a:t>Third level</a:t>
             </a:r>
           </a:p>
           <a:p>
             <a:pPr lvl="3"/>
             <a:r>
-              <a:rPr lang="en-US" smtClean="0"/>
+              <a:rPr lang="en-US"/>
               <a:t>Fourth level</a:t>
             </a:r>
           </a:p>
           <a:p>
             <a:pPr lvl="4"/>
             <a:r>
-              <a:rPr lang="en-US" smtClean="0"/>
+              <a:rPr lang="en-US"/>
               <a:t>Fifth level</a:t>
             </a:r>
-            <a:endParaRPr lang="en-US"/>
           </a:p>
         </p:txBody>
       </p:sp>
@@ -1677,7 +1672,7 @@
           <a:p>
             <a:pPr lvl="0"/>
             <a:r>
-              <a:rPr lang="en-US" smtClean="0"/>
+              <a:rPr lang="en-US"/>
               <a:t>Click to edit Master text styles</a:t>
             </a:r>
           </a:p>
@@ -1733,38 +1728,37 @@
           <a:p>
             <a:pPr lvl="0"/>
             <a:r>
-              <a:rPr lang="en-US" smtClean="0"/>
+              <a:rPr lang="en-US"/>
               <a:t>Click to edit Master text styles</a:t>
             </a:r>
           </a:p>
           <a:p>
             <a:pPr lvl="1"/>
             <a:r>
-              <a:rPr lang="en-US" smtClean="0"/>
+              <a:rPr lang="en-US"/>
               <a:t>Second level</a:t>
             </a:r>
           </a:p>
           <a:p>
             <a:pPr lvl="2"/>
             <a:r>
-              <a:rPr lang="en-US" smtClean="0"/>
+              <a:rPr lang="en-US"/>
               <a:t>Third level</a:t>
             </a:r>
           </a:p>
           <a:p>
             <a:pPr lvl="3"/>
             <a:r>
-              <a:rPr lang="en-US" smtClean="0"/>
+              <a:rPr lang="en-US"/>
               <a:t>Fourth level</a:t>
             </a:r>
           </a:p>
           <a:p>
             <a:pPr lvl="4"/>
             <a:r>
-              <a:rPr lang="en-US" smtClean="0"/>
+              <a:rPr lang="en-US"/>
               <a:t>Fifth level</a:t>
             </a:r>
-            <a:endParaRPr lang="en-US"/>
           </a:p>
         </p:txBody>
       </p:sp>
@@ -1785,7 +1779,7 @@
           <a:p>
             <a:fld id="{5BCAD085-E8A6-8845-BD4E-CB4CCA059FC4}" type="datetimeFigureOut">
               <a:rPr lang="en-US" smtClean="0"/>
-              <a:t>1/27/13</a:t>
+              <a:t>1/28/26</a:t>
             </a:fld>
             <a:endParaRPr lang="en-US"/>
           </a:p>
@@ -1827,7 +1821,7 @@
           <a:p>
             <a:fld id="{C1FF6DA9-008F-8B48-92A6-B652298478BF}" type="slidenum">
               <a:rPr lang="en-US" smtClean="0"/>
-              <a:t>‹#›</a:t>
+              <a:t>‹Nº›</a:t>
             </a:fld>
             <a:endParaRPr lang="en-US"/>
           </a:p>
@@ -1879,10 +1873,9 @@
           <a:lstStyle/>
           <a:p>
             <a:r>
-              <a:rPr lang="en-US" smtClean="0"/>
+              <a:rPr lang="en-US"/>
               <a:t>Click to edit Master title style</a:t>
             </a:r>
-            <a:endParaRPr lang="en-US"/>
           </a:p>
         </p:txBody>
       </p:sp>
@@ -1903,7 +1896,7 @@
           <a:p>
             <a:fld id="{5BCAD085-E8A6-8845-BD4E-CB4CCA059FC4}" type="datetimeFigureOut">
               <a:rPr lang="en-US" smtClean="0"/>
-              <a:t>1/27/13</a:t>
+              <a:t>1/28/26</a:t>
             </a:fld>
             <a:endParaRPr lang="en-US"/>
           </a:p>
@@ -1945,7 +1938,7 @@
           <a:p>
             <a:fld id="{C1FF6DA9-008F-8B48-92A6-B652298478BF}" type="slidenum">
               <a:rPr lang="en-US" smtClean="0"/>
-              <a:t>‹#›</a:t>
+              <a:t>‹Nº›</a:t>
             </a:fld>
             <a:endParaRPr lang="en-US"/>
           </a:p>
@@ -1998,7 +1991,7 @@
           <a:p>
             <a:fld id="{5BCAD085-E8A6-8845-BD4E-CB4CCA059FC4}" type="datetimeFigureOut">
               <a:rPr lang="en-US" smtClean="0"/>
-              <a:t>1/27/13</a:t>
+              <a:t>1/28/26</a:t>
             </a:fld>
             <a:endParaRPr lang="en-US"/>
           </a:p>
@@ -2040,7 +2033,7 @@
           <a:p>
             <a:fld id="{C1FF6DA9-008F-8B48-92A6-B652298478BF}" type="slidenum">
               <a:rPr lang="en-US" smtClean="0"/>
-              <a:t>‹#›</a:t>
+              <a:t>‹Nº›</a:t>
             </a:fld>
             <a:endParaRPr lang="en-US"/>
           </a:p>
@@ -2101,10 +2094,9 @@
           </a:lstStyle>
           <a:p>
             <a:r>
-              <a:rPr lang="en-US" smtClean="0"/>
+              <a:rPr lang="en-US"/>
               <a:t>Click to edit Master title style</a:t>
             </a:r>
-            <a:endParaRPr lang="en-US"/>
           </a:p>
         </p:txBody>
       </p:sp>
@@ -2158,38 +2150,37 @@
           <a:p>
             <a:pPr lvl="0"/>
             <a:r>
-              <a:rPr lang="en-US" smtClean="0"/>
+              <a:rPr lang="en-US"/>
               <a:t>Click to edit Master text styles</a:t>
             </a:r>
           </a:p>
           <a:p>
             <a:pPr lvl="1"/>
             <a:r>
-              <a:rPr lang="en-US" smtClean="0"/>
+              <a:rPr lang="en-US"/>
               <a:t>Second level</a:t>
             </a:r>
           </a:p>
           <a:p>
             <a:pPr lvl="2"/>
             <a:r>
-              <a:rPr lang="en-US" smtClean="0"/>
+              <a:rPr lang="en-US"/>
               <a:t>Third level</a:t>
             </a:r>
           </a:p>
           <a:p>
             <a:pPr lvl="3"/>
             <a:r>
-              <a:rPr lang="en-US" smtClean="0"/>
+              <a:rPr lang="en-US"/>
               <a:t>Fourth level</a:t>
             </a:r>
           </a:p>
           <a:p>
             <a:pPr lvl="4"/>
             <a:r>
-              <a:rPr lang="en-US" smtClean="0"/>
+              <a:rPr lang="en-US"/>
               <a:t>Fifth level</a:t>
             </a:r>
-            <a:endParaRPr lang="en-US"/>
           </a:p>
         </p:txBody>
       </p:sp>
@@ -2252,7 +2243,7 @@
           <a:p>
             <a:pPr lvl="0"/>
             <a:r>
-              <a:rPr lang="en-US" smtClean="0"/>
+              <a:rPr lang="en-US"/>
               <a:t>Click to edit Master text styles</a:t>
             </a:r>
           </a:p>
@@ -2275,7 +2266,7 @@
           <a:p>
             <a:fld id="{5BCAD085-E8A6-8845-BD4E-CB4CCA059FC4}" type="datetimeFigureOut">
               <a:rPr lang="en-US" smtClean="0"/>
-              <a:t>1/27/13</a:t>
+              <a:t>1/28/26</a:t>
             </a:fld>
             <a:endParaRPr lang="en-US"/>
           </a:p>
@@ -2317,7 +2308,7 @@
           <a:p>
             <a:fld id="{C1FF6DA9-008F-8B48-92A6-B652298478BF}" type="slidenum">
               <a:rPr lang="en-US" smtClean="0"/>
-              <a:t>‹#›</a:t>
+              <a:t>‹Nº›</a:t>
             </a:fld>
             <a:endParaRPr lang="en-US"/>
           </a:p>
@@ -2378,10 +2369,9 @@
           </a:lstStyle>
           <a:p>
             <a:r>
-              <a:rPr lang="en-US" smtClean="0"/>
+              <a:rPr lang="en-US"/>
               <a:t>Click to edit Master title style</a:t>
             </a:r>
-            <a:endParaRPr lang="en-US"/>
           </a:p>
         </p:txBody>
       </p:sp>
@@ -2505,7 +2495,7 @@
           <a:p>
             <a:pPr lvl="0"/>
             <a:r>
-              <a:rPr lang="en-US" smtClean="0"/>
+              <a:rPr lang="en-US"/>
               <a:t>Click to edit Master text styles</a:t>
             </a:r>
           </a:p>
@@ -2528,7 +2518,7 @@
           <a:p>
             <a:fld id="{5BCAD085-E8A6-8845-BD4E-CB4CCA059FC4}" type="datetimeFigureOut">
               <a:rPr lang="en-US" smtClean="0"/>
-              <a:t>1/27/13</a:t>
+              <a:t>1/28/26</a:t>
             </a:fld>
             <a:endParaRPr lang="en-US"/>
           </a:p>
@@ -2570,7 +2560,7 @@
           <a:p>
             <a:fld id="{C1FF6DA9-008F-8B48-92A6-B652298478BF}" type="slidenum">
               <a:rPr lang="en-US" smtClean="0"/>
-              <a:t>‹#›</a:t>
+              <a:t>‹Nº›</a:t>
             </a:fld>
             <a:endParaRPr lang="en-US"/>
           </a:p>
@@ -2637,10 +2627,9 @@
           <a:lstStyle/>
           <a:p>
             <a:r>
-              <a:rPr lang="en-US" smtClean="0"/>
+              <a:rPr lang="en-US"/>
               <a:t>Click to edit Master title style</a:t>
             </a:r>
-            <a:endParaRPr lang="en-US"/>
           </a:p>
         </p:txBody>
       </p:sp>
@@ -2671,38 +2660,37 @@
           <a:p>
             <a:pPr lvl="0"/>
             <a:r>
-              <a:rPr lang="en-US" smtClean="0"/>
+              <a:rPr lang="en-US"/>
               <a:t>Click to edit Master text styles</a:t>
             </a:r>
           </a:p>
           <a:p>
             <a:pPr lvl="1"/>
             <a:r>
-              <a:rPr lang="en-US" smtClean="0"/>
+              <a:rPr lang="en-US"/>
               <a:t>Second level</a:t>
             </a:r>
           </a:p>
           <a:p>
             <a:pPr lvl="2"/>
             <a:r>
-              <a:rPr lang="en-US" smtClean="0"/>
+              <a:rPr lang="en-US"/>
               <a:t>Third level</a:t>
             </a:r>
           </a:p>
           <a:p>
             <a:pPr lvl="3"/>
             <a:r>
-              <a:rPr lang="en-US" smtClean="0"/>
+              <a:rPr lang="en-US"/>
               <a:t>Fourth level</a:t>
             </a:r>
           </a:p>
           <a:p>
             <a:pPr lvl="4"/>
             <a:r>
-              <a:rPr lang="en-US" smtClean="0"/>
+              <a:rPr lang="en-US"/>
               <a:t>Fifth level</a:t>
             </a:r>
-            <a:endParaRPr lang="en-US"/>
           </a:p>
         </p:txBody>
       </p:sp>
@@ -2741,7 +2729,7 @@
           <a:p>
             <a:fld id="{5BCAD085-E8A6-8845-BD4E-CB4CCA059FC4}" type="datetimeFigureOut">
               <a:rPr lang="en-US" smtClean="0"/>
-              <a:t>1/27/13</a:t>
+              <a:t>1/28/26</a:t>
             </a:fld>
             <a:endParaRPr lang="en-US"/>
           </a:p>
@@ -2819,7 +2807,7 @@
           <a:p>
             <a:fld id="{C1FF6DA9-008F-8B48-92A6-B652298478BF}" type="slidenum">
               <a:rPr lang="en-US" smtClean="0"/>
-              <a:t>‹#›</a:t>
+              <a:t>‹Nº›</a:t>
             </a:fld>
             <a:endParaRPr lang="en-US"/>
           </a:p>
@@ -3100,7 +3088,7 @@
 </file>
 
 <file path=ppt/slides/slide1.xml><?xml version="1.0" encoding="utf-8"?>
-<p:sld xmlns:a="http://schemas.openxmlformats.org/drawingml/2006/main" xmlns:p="http://schemas.openxmlformats.org/presentationml/2006/main" xmlns:r="http://schemas.openxmlformats.org/officeDocument/2006/relationships">
+<p:sld xmlns:a="http://schemas.openxmlformats.org/drawingml/2006/main" xmlns:r="http://schemas.openxmlformats.org/officeDocument/2006/relationships" xmlns:p="http://schemas.openxmlformats.org/presentationml/2006/main">
   <p:cSld>
     <p:spTree>
       <p:nvGrpSpPr>
@@ -3108,7 +3096,14 @@
         <p:cNvGrpSpPr/>
         <p:nvPr/>
       </p:nvGrpSpPr>
-      <p:grpSpPr/>
+      <p:grpSpPr>
+        <a:xfrm>
+          <a:off x="0" y="0"/>
+          <a:ext cx="0" cy="0"/>
+          <a:chOff x="0" y="0"/>
+          <a:chExt cx="0" cy="0"/>
+        </a:xfrm>
+      </p:grpSpPr>
       <p:sp>
         <p:nvSpPr>
           <p:cNvPr id="2" name="Title 1"/>
@@ -3125,7 +3120,7 @@
           <a:lstStyle/>
           <a:p>
             <a:r>
-              <a:t>Práctica de CSS</a:t>
+              <a:t>Práctica de CSS (Copiar y Pegar)</a:t>
             </a:r>
           </a:p>
         </p:txBody>
@@ -3156,7 +3151,7 @@
           </a:p>
           <a:p>
             <a:r>
-              <a:t>Objetivo: Aprender a dar estilo a una página web usando CSS</a:t>
+              <a:t>Objetivo: Aplicar estilos CSS copiando y pegando código</a:t>
             </a:r>
           </a:p>
           <a:p>
@@ -3175,7 +3170,7 @@
 </file>
 
 <file path=ppt/slides/slide10.xml><?xml version="1.0" encoding="utf-8"?>
-<p:sld xmlns:a="http://schemas.openxmlformats.org/drawingml/2006/main" xmlns:p="http://schemas.openxmlformats.org/presentationml/2006/main" xmlns:r="http://schemas.openxmlformats.org/officeDocument/2006/relationships">
+<p:sld xmlns:a="http://schemas.openxmlformats.org/drawingml/2006/main" xmlns:r="http://schemas.openxmlformats.org/officeDocument/2006/relationships" xmlns:p="http://schemas.openxmlformats.org/presentationml/2006/main">
   <p:cSld>
     <p:spTree>
       <p:nvGrpSpPr>
@@ -3183,7 +3178,14 @@
         <p:cNvGrpSpPr/>
         <p:nvPr/>
       </p:nvGrpSpPr>
-      <p:grpSpPr/>
+      <p:grpSpPr>
+        <a:xfrm>
+          <a:off x="0" y="0"/>
+          <a:ext cx="0" cy="0"/>
+          <a:chOff x="0" y="0"/>
+          <a:chExt cx="0" cy="0"/>
+        </a:xfrm>
+      </p:grpSpPr>
       <p:sp>
         <p:nvSpPr>
           <p:cNvPr id="2" name="Title 1"/>
@@ -3200,7 +3202,7 @@
           <a:lstStyle/>
           <a:p>
             <a:r>
-              <a:t>Colores en CSS</a:t>
+              <a:t>Enlace con hover (COPIA)</a:t>
             </a:r>
           </a:p>
         </p:txBody>
@@ -3221,17 +3223,45 @@
           <a:lstStyle/>
           <a:p>
             <a:r>
-              <a:t>color: red;</a:t>
-            </a:r>
-          </a:p>
-          <a:p>
-            <a:r>
-              <a:t>color: #ff0000;</a:t>
-            </a:r>
-          </a:p>
-          <a:p>
-            <a:r>
-              <a:t>color: rgb(255,0,0);</a:t>
+              <a:t>.enlace {</a:t>
+            </a:r>
+          </a:p>
+          <a:p>
+            <a:r>
+              <a:t>  color: #3498db;</a:t>
+            </a:r>
+          </a:p>
+          <a:p>
+            <a:r>
+              <a:t>  text-decoration: none;</a:t>
+            </a:r>
+          </a:p>
+          <a:p>
+            <a:r>
+              <a:t>  font-size: 16px;</a:t>
+            </a:r>
+          </a:p>
+          <a:p>
+            <a:r>
+              <a:t>}</a:t>
+            </a:r>
+          </a:p>
+          <a:p>
+            <a:endParaRPr/>
+          </a:p>
+          <a:p>
+            <a:r>
+              <a:t>.enlace:hover {</a:t>
+            </a:r>
+          </a:p>
+          <a:p>
+            <a:r>
+              <a:t>  color: #e74c3c;</a:t>
+            </a:r>
+          </a:p>
+          <a:p>
+            <a:r>
+              <a:t>}</a:t>
             </a:r>
           </a:p>
         </p:txBody>
@@ -3245,7 +3275,7 @@
 </file>
 
 <file path=ppt/slides/slide11.xml><?xml version="1.0" encoding="utf-8"?>
-<p:sld xmlns:a="http://schemas.openxmlformats.org/drawingml/2006/main" xmlns:p="http://schemas.openxmlformats.org/presentationml/2006/main" xmlns:r="http://schemas.openxmlformats.org/officeDocument/2006/relationships">
+<p:sld xmlns:a="http://schemas.openxmlformats.org/drawingml/2006/main" xmlns:r="http://schemas.openxmlformats.org/officeDocument/2006/relationships" xmlns:p="http://schemas.openxmlformats.org/presentationml/2006/main">
   <p:cSld>
     <p:spTree>
       <p:nvGrpSpPr>
@@ -3253,7 +3283,14 @@
         <p:cNvGrpSpPr/>
         <p:nvPr/>
       </p:nvGrpSpPr>
-      <p:grpSpPr/>
+      <p:grpSpPr>
+        <a:xfrm>
+          <a:off x="0" y="0"/>
+          <a:ext cx="0" cy="0"/>
+          <a:chOff x="0" y="0"/>
+          <a:chExt cx="0" cy="0"/>
+        </a:xfrm>
+      </p:grpSpPr>
       <p:sp>
         <p:nvSpPr>
           <p:cNvPr id="2" name="Title 1"/>
@@ -3270,7 +3307,7 @@
           <a:lstStyle/>
           <a:p>
             <a:r>
-              <a:t>Fondos</a:t>
+              <a:t>Display y alineación (COPIA)</a:t>
             </a:r>
           </a:p>
         </p:txBody>
@@ -3291,12 +3328,17 @@
           <a:lstStyle/>
           <a:p>
             <a:r>
-              <a:t>background-color: yellow;</a:t>
-            </a:r>
-          </a:p>
-          <a:p>
-            <a:r>
-              <a:t>background-image: url('img.jpg');</a:t>
+              <a:t>.caja {</a:t>
+            </a:r>
+          </a:p>
+          <a:p>
+            <a:r>
+              <a:t>  display: block;</a:t>
+            </a:r>
+          </a:p>
+          <a:p>
+            <a:r>
+              <a:t>}</a:t>
             </a:r>
           </a:p>
         </p:txBody>
@@ -3310,7 +3352,7 @@
 </file>
 
 <file path=ppt/slides/slide12.xml><?xml version="1.0" encoding="utf-8"?>
-<p:sld xmlns:a="http://schemas.openxmlformats.org/drawingml/2006/main" xmlns:p="http://schemas.openxmlformats.org/presentationml/2006/main" xmlns:r="http://schemas.openxmlformats.org/officeDocument/2006/relationships">
+<p:sld xmlns:a="http://schemas.openxmlformats.org/drawingml/2006/main" xmlns:r="http://schemas.openxmlformats.org/officeDocument/2006/relationships" xmlns:p="http://schemas.openxmlformats.org/presentationml/2006/main">
   <p:cSld>
     <p:spTree>
       <p:nvGrpSpPr>
@@ -3318,7 +3360,14 @@
         <p:cNvGrpSpPr/>
         <p:nvPr/>
       </p:nvGrpSpPr>
-      <p:grpSpPr/>
+      <p:grpSpPr>
+        <a:xfrm>
+          <a:off x="0" y="0"/>
+          <a:ext cx="0" cy="0"/>
+          <a:chOff x="0" y="0"/>
+          <a:chExt cx="0" cy="0"/>
+        </a:xfrm>
+      </p:grpSpPr>
       <p:sp>
         <p:nvSpPr>
           <p:cNvPr id="2" name="Title 1"/>
@@ -3335,7 +3384,7 @@
           <a:lstStyle/>
           <a:p>
             <a:r>
-              <a:t>Texto</a:t>
+              <a:t>Flexbox básico (COPIA)</a:t>
             </a:r>
           </a:p>
         </p:txBody>
@@ -3356,17 +3405,27 @@
           <a:lstStyle/>
           <a:p>
             <a:r>
-              <a:t>font-size: 20px;</a:t>
-            </a:r>
-          </a:p>
-          <a:p>
-            <a:r>
-              <a:t>font-family: Arial;</a:t>
-            </a:r>
-          </a:p>
-          <a:p>
-            <a:r>
-              <a:t>text-align: center;</a:t>
+              <a:t>body {</a:t>
+            </a:r>
+          </a:p>
+          <a:p>
+            <a:r>
+              <a:t>  display: flex;</a:t>
+            </a:r>
+          </a:p>
+          <a:p>
+            <a:r>
+              <a:t>  flex-direction: column;</a:t>
+            </a:r>
+          </a:p>
+          <a:p>
+            <a:r>
+              <a:t>  align-items: center;</a:t>
+            </a:r>
+          </a:p>
+          <a:p>
+            <a:r>
+              <a:t>}</a:t>
             </a:r>
           </a:p>
         </p:txBody>
@@ -3380,7 +3439,7 @@
 </file>
 
 <file path=ppt/slides/slide13.xml><?xml version="1.0" encoding="utf-8"?>
-<p:sld xmlns:a="http://schemas.openxmlformats.org/drawingml/2006/main" xmlns:p="http://schemas.openxmlformats.org/presentationml/2006/main" xmlns:r="http://schemas.openxmlformats.org/officeDocument/2006/relationships">
+<p:sld xmlns:a="http://schemas.openxmlformats.org/drawingml/2006/main" xmlns:r="http://schemas.openxmlformats.org/officeDocument/2006/relationships" xmlns:p="http://schemas.openxmlformats.org/presentationml/2006/main">
   <p:cSld>
     <p:spTree>
       <p:nvGrpSpPr>
@@ -3388,7 +3447,14 @@
         <p:cNvGrpSpPr/>
         <p:nvPr/>
       </p:nvGrpSpPr>
-      <p:grpSpPr/>
+      <p:grpSpPr>
+        <a:xfrm>
+          <a:off x="0" y="0"/>
+          <a:ext cx="0" cy="0"/>
+          <a:chOff x="0" y="0"/>
+          <a:chExt cx="0" cy="0"/>
+        </a:xfrm>
+      </p:grpSpPr>
       <p:sp>
         <p:nvSpPr>
           <p:cNvPr id="2" name="Title 1"/>
@@ -3405,7 +3471,7 @@
           <a:lstStyle/>
           <a:p>
             <a:r>
-              <a:t>Negrita y cursiva</a:t>
+              <a:t>Comentarios en CSS</a:t>
             </a:r>
           </a:p>
         </p:txBody>
@@ -3426,12 +3492,7 @@
           <a:lstStyle/>
           <a:p>
             <a:r>
-              <a:t>font-weight: bold;</a:t>
-            </a:r>
-          </a:p>
-          <a:p>
-            <a:r>
-              <a:t>font-style: italic;</a:t>
+              <a:t>/* Esto es un comentario */</a:t>
             </a:r>
           </a:p>
         </p:txBody>
@@ -3445,7 +3506,7 @@
 </file>
 
 <file path=ppt/slides/slide14.xml><?xml version="1.0" encoding="utf-8"?>
-<p:sld xmlns:a="http://schemas.openxmlformats.org/drawingml/2006/main" xmlns:p="http://schemas.openxmlformats.org/presentationml/2006/main" xmlns:r="http://schemas.openxmlformats.org/officeDocument/2006/relationships">
+<p:sld xmlns:a="http://schemas.openxmlformats.org/drawingml/2006/main" xmlns:r="http://schemas.openxmlformats.org/officeDocument/2006/relationships" xmlns:p="http://schemas.openxmlformats.org/presentationml/2006/main">
   <p:cSld>
     <p:spTree>
       <p:nvGrpSpPr>
@@ -3453,7 +3514,14 @@
         <p:cNvGrpSpPr/>
         <p:nvPr/>
       </p:nvGrpSpPr>
-      <p:grpSpPr/>
+      <p:grpSpPr>
+        <a:xfrm>
+          <a:off x="0" y="0"/>
+          <a:ext cx="0" cy="0"/>
+          <a:chOff x="0" y="0"/>
+          <a:chExt cx="0" cy="0"/>
+        </a:xfrm>
+      </p:grpSpPr>
       <p:sp>
         <p:nvSpPr>
           <p:cNvPr id="2" name="Title 1"/>
@@ -3470,7 +3538,7 @@
           <a:lstStyle/>
           <a:p>
             <a:r>
-              <a:t>Modelo de caja (Box Model)</a:t>
+              <a:t>Práctica guiada</a:t>
             </a:r>
           </a:p>
         </p:txBody>
@@ -3491,22 +3559,27 @@
           <a:lstStyle/>
           <a:p>
             <a:r>
-              <a:t>margin</a:t>
-            </a:r>
-          </a:p>
-          <a:p>
-            <a:r>
-              <a:t>border</a:t>
-            </a:r>
-          </a:p>
-          <a:p>
-            <a:r>
-              <a:t>padding</a:t>
-            </a:r>
-          </a:p>
-          <a:p>
-            <a:r>
-              <a:t>content</a:t>
+              <a:t>1. Cambia colores</a:t>
+            </a:r>
+          </a:p>
+          <a:p>
+            <a:r>
+              <a:t>2. Ajusta tamaños</a:t>
+            </a:r>
+          </a:p>
+          <a:p>
+            <a:r>
+              <a:t>3. Modifica bordes</a:t>
+            </a:r>
+          </a:p>
+          <a:p>
+            <a:r>
+              <a:t>4. Prueba hover</a:t>
+            </a:r>
+          </a:p>
+          <a:p>
+            <a:r>
+              <a:t>5. Cambia el fondo</a:t>
             </a:r>
           </a:p>
         </p:txBody>
@@ -3520,7 +3593,7 @@
 </file>
 
 <file path=ppt/slides/slide15.xml><?xml version="1.0" encoding="utf-8"?>
-<p:sld xmlns:a="http://schemas.openxmlformats.org/drawingml/2006/main" xmlns:p="http://schemas.openxmlformats.org/presentationml/2006/main" xmlns:r="http://schemas.openxmlformats.org/officeDocument/2006/relationships">
+<p:sld xmlns:a="http://schemas.openxmlformats.org/drawingml/2006/main" xmlns:r="http://schemas.openxmlformats.org/officeDocument/2006/relationships" xmlns:p="http://schemas.openxmlformats.org/presentationml/2006/main">
   <p:cSld>
     <p:spTree>
       <p:nvGrpSpPr>
@@ -3528,7 +3601,14 @@
         <p:cNvGrpSpPr/>
         <p:nvPr/>
       </p:nvGrpSpPr>
-      <p:grpSpPr/>
+      <p:grpSpPr>
+        <a:xfrm>
+          <a:off x="0" y="0"/>
+          <a:ext cx="0" cy="0"/>
+          <a:chOff x="0" y="0"/>
+          <a:chExt cx="0" cy="0"/>
+        </a:xfrm>
+      </p:grpSpPr>
       <p:sp>
         <p:nvSpPr>
           <p:cNvPr id="2" name="Title 1"/>
@@ -3545,7 +3625,7 @@
           <a:lstStyle/>
           <a:p>
             <a:r>
-              <a:t>Margin y Padding</a:t>
+              <a:t>Reto final</a:t>
             </a:r>
           </a:p>
         </p:txBody>
@@ -3566,277 +3646,22 @@
           <a:lstStyle/>
           <a:p>
             <a:r>
-              <a:t>margin: 20px;</a:t>
-            </a:r>
-          </a:p>
-          <a:p>
-            <a:r>
-              <a:t>padding: 10px;</a:t>
-            </a:r>
-          </a:p>
-        </p:txBody>
-      </p:sp>
-    </p:spTree>
-  </p:cSld>
-  <p:clrMapOvr>
-    <a:masterClrMapping/>
-  </p:clrMapOvr>
-</p:sld>
-</file>
-
-<file path=ppt/slides/slide16.xml><?xml version="1.0" encoding="utf-8"?>
-<p:sld xmlns:a="http://schemas.openxmlformats.org/drawingml/2006/main" xmlns:p="http://schemas.openxmlformats.org/presentationml/2006/main" xmlns:r="http://schemas.openxmlformats.org/officeDocument/2006/relationships">
-  <p:cSld>
-    <p:spTree>
-      <p:nvGrpSpPr>
-        <p:cNvPr id="1" name=""/>
-        <p:cNvGrpSpPr/>
-        <p:nvPr/>
-      </p:nvGrpSpPr>
-      <p:grpSpPr/>
-      <p:sp>
-        <p:nvSpPr>
-          <p:cNvPr id="2" name="Title 1"/>
-          <p:cNvSpPr>
-            <a:spLocks noGrp="1"/>
-          </p:cNvSpPr>
-          <p:nvPr>
-            <p:ph type="title"/>
-          </p:nvPr>
-        </p:nvSpPr>
-        <p:spPr/>
-        <p:txBody>
-          <a:bodyPr/>
-          <a:lstStyle/>
-          <a:p>
-            <a:r>
-              <a:t>Bordes</a:t>
-            </a:r>
-          </a:p>
-        </p:txBody>
-      </p:sp>
-      <p:sp>
-        <p:nvSpPr>
-          <p:cNvPr id="3" name="Content Placeholder 2"/>
-          <p:cNvSpPr>
-            <a:spLocks noGrp="1"/>
-          </p:cNvSpPr>
-          <p:nvPr>
-            <p:ph idx="1"/>
-          </p:nvPr>
-        </p:nvSpPr>
-        <p:spPr/>
-        <p:txBody>
-          <a:bodyPr/>
-          <a:lstStyle/>
-          <a:p>
-            <a:r>
-              <a:t>border: 2px solid black;</a:t>
-            </a:r>
-          </a:p>
-        </p:txBody>
-      </p:sp>
-    </p:spTree>
-  </p:cSld>
-  <p:clrMapOvr>
-    <a:masterClrMapping/>
-  </p:clrMapOvr>
-</p:sld>
-</file>
-
-<file path=ppt/slides/slide17.xml><?xml version="1.0" encoding="utf-8"?>
-<p:sld xmlns:a="http://schemas.openxmlformats.org/drawingml/2006/main" xmlns:p="http://schemas.openxmlformats.org/presentationml/2006/main" xmlns:r="http://schemas.openxmlformats.org/officeDocument/2006/relationships">
-  <p:cSld>
-    <p:spTree>
-      <p:nvGrpSpPr>
-        <p:cNvPr id="1" name=""/>
-        <p:cNvGrpSpPr/>
-        <p:nvPr/>
-      </p:nvGrpSpPr>
-      <p:grpSpPr/>
-      <p:sp>
-        <p:nvSpPr>
-          <p:cNvPr id="2" name="Title 1"/>
-          <p:cNvSpPr>
-            <a:spLocks noGrp="1"/>
-          </p:cNvSpPr>
-          <p:nvPr>
-            <p:ph type="title"/>
-          </p:nvPr>
-        </p:nvSpPr>
-        <p:spPr/>
-        <p:txBody>
-          <a:bodyPr/>
-          <a:lstStyle/>
-          <a:p>
-            <a:r>
-              <a:t>Ancho y alto</a:t>
-            </a:r>
-          </a:p>
-        </p:txBody>
-      </p:sp>
-      <p:sp>
-        <p:nvSpPr>
-          <p:cNvPr id="3" name="Content Placeholder 2"/>
-          <p:cNvSpPr>
-            <a:spLocks noGrp="1"/>
-          </p:cNvSpPr>
-          <p:nvPr>
-            <p:ph idx="1"/>
-          </p:nvPr>
-        </p:nvSpPr>
-        <p:spPr/>
-        <p:txBody>
-          <a:bodyPr/>
-          <a:lstStyle/>
-          <a:p>
-            <a:r>
-              <a:t>width: 200px;</a:t>
-            </a:r>
-          </a:p>
-          <a:p>
-            <a:r>
-              <a:t>height: 100px;</a:t>
-            </a:r>
-          </a:p>
-        </p:txBody>
-      </p:sp>
-    </p:spTree>
-  </p:cSld>
-  <p:clrMapOvr>
-    <a:masterClrMapping/>
-  </p:clrMapOvr>
-</p:sld>
-</file>
-
-<file path=ppt/slides/slide18.xml><?xml version="1.0" encoding="utf-8"?>
-<p:sld xmlns:a="http://schemas.openxmlformats.org/drawingml/2006/main" xmlns:p="http://schemas.openxmlformats.org/presentationml/2006/main" xmlns:r="http://schemas.openxmlformats.org/officeDocument/2006/relationships">
-  <p:cSld>
-    <p:spTree>
-      <p:nvGrpSpPr>
-        <p:cNvPr id="1" name=""/>
-        <p:cNvGrpSpPr/>
-        <p:nvPr/>
-      </p:nvGrpSpPr>
-      <p:grpSpPr/>
-      <p:sp>
-        <p:nvSpPr>
-          <p:cNvPr id="2" name="Title 1"/>
-          <p:cNvSpPr>
-            <a:spLocks noGrp="1"/>
-          </p:cNvSpPr>
-          <p:nvPr>
-            <p:ph type="title"/>
-          </p:nvPr>
-        </p:nvSpPr>
-        <p:spPr/>
-        <p:txBody>
-          <a:bodyPr/>
-          <a:lstStyle/>
-          <a:p>
-            <a:r>
-              <a:t>Display</a:t>
-            </a:r>
-          </a:p>
-        </p:txBody>
-      </p:sp>
-      <p:sp>
-        <p:nvSpPr>
-          <p:cNvPr id="3" name="Content Placeholder 2"/>
-          <p:cNvSpPr>
-            <a:spLocks noGrp="1"/>
-          </p:cNvSpPr>
-          <p:nvPr>
-            <p:ph idx="1"/>
-          </p:nvPr>
-        </p:nvSpPr>
-        <p:spPr/>
-        <p:txBody>
-          <a:bodyPr/>
-          <a:lstStyle/>
-          <a:p>
-            <a:r>
-              <a:t>display: block;</a:t>
-            </a:r>
-          </a:p>
-          <a:p>
-            <a:r>
-              <a:t>display: inline;</a:t>
-            </a:r>
-          </a:p>
-          <a:p>
-            <a:r>
-              <a:t>display: inline-block;</a:t>
-            </a:r>
-          </a:p>
-        </p:txBody>
-      </p:sp>
-    </p:spTree>
-  </p:cSld>
-  <p:clrMapOvr>
-    <a:masterClrMapping/>
-  </p:clrMapOvr>
-</p:sld>
-</file>
-
-<file path=ppt/slides/slide19.xml><?xml version="1.0" encoding="utf-8"?>
-<p:sld xmlns:a="http://schemas.openxmlformats.org/drawingml/2006/main" xmlns:p="http://schemas.openxmlformats.org/presentationml/2006/main" xmlns:r="http://schemas.openxmlformats.org/officeDocument/2006/relationships">
-  <p:cSld>
-    <p:spTree>
-      <p:nvGrpSpPr>
-        <p:cNvPr id="1" name=""/>
-        <p:cNvGrpSpPr/>
-        <p:nvPr/>
-      </p:nvGrpSpPr>
-      <p:grpSpPr/>
-      <p:sp>
-        <p:nvSpPr>
-          <p:cNvPr id="2" name="Title 1"/>
-          <p:cNvSpPr>
-            <a:spLocks noGrp="1"/>
-          </p:cNvSpPr>
-          <p:nvPr>
-            <p:ph type="title"/>
-          </p:nvPr>
-        </p:nvSpPr>
-        <p:spPr/>
-        <p:txBody>
-          <a:bodyPr/>
-          <a:lstStyle/>
-          <a:p>
-            <a:r>
-              <a:t>Flexbox básico</a:t>
-            </a:r>
-          </a:p>
-        </p:txBody>
-      </p:sp>
-      <p:sp>
-        <p:nvSpPr>
-          <p:cNvPr id="3" name="Content Placeholder 2"/>
-          <p:cNvSpPr>
-            <a:spLocks noGrp="1"/>
-          </p:cNvSpPr>
-          <p:nvPr>
-            <p:ph idx="1"/>
-          </p:nvPr>
-        </p:nvSpPr>
-        <p:spPr/>
-        <p:txBody>
-          <a:bodyPr/>
-          <a:lstStyle/>
-          <a:p>
-            <a:r>
-              <a:t>display: flex;</a:t>
-            </a:r>
-          </a:p>
-          <a:p>
-            <a:r>
-              <a:t>justify-content: center;</a:t>
-            </a:r>
-          </a:p>
-          <a:p>
-            <a:r>
-              <a:t>align-items: center;</a:t>
+              <a:t>Haz que tu página se vea diferente:</a:t>
+            </a:r>
+          </a:p>
+          <a:p>
+            <a:r>
+              <a:t>- Cambia el color de la caja</a:t>
+            </a:r>
+          </a:p>
+          <a:p>
+            <a:r>
+              <a:t>- Cambia la fuente</a:t>
+            </a:r>
+          </a:p>
+          <a:p>
+            <a:r>
+              <a:t>- Ajusta el tamaño del texto</a:t>
             </a:r>
           </a:p>
         </p:txBody>
@@ -3850,7 +3675,7 @@
 </file>
 
 <file path=ppt/slides/slide2.xml><?xml version="1.0" encoding="utf-8"?>
-<p:sld xmlns:a="http://schemas.openxmlformats.org/drawingml/2006/main" xmlns:p="http://schemas.openxmlformats.org/presentationml/2006/main" xmlns:r="http://schemas.openxmlformats.org/officeDocument/2006/relationships">
+<p:sld xmlns:a="http://schemas.openxmlformats.org/drawingml/2006/main" xmlns:r="http://schemas.openxmlformats.org/officeDocument/2006/relationships" xmlns:p="http://schemas.openxmlformats.org/presentationml/2006/main">
   <p:cSld>
     <p:spTree>
       <p:nvGrpSpPr>
@@ -3858,7 +3683,14 @@
         <p:cNvGrpSpPr/>
         <p:nvPr/>
       </p:nvGrpSpPr>
-      <p:grpSpPr/>
+      <p:grpSpPr>
+        <a:xfrm>
+          <a:off x="0" y="0"/>
+          <a:ext cx="0" cy="0"/>
+          <a:chOff x="0" y="0"/>
+          <a:chExt cx="0" cy="0"/>
+        </a:xfrm>
+      </p:grpSpPr>
       <p:sp>
         <p:nvSpPr>
           <p:cNvPr id="2" name="Title 1"/>
@@ -3875,7 +3707,7 @@
           <a:lstStyle/>
           <a:p>
             <a:r>
-              <a:t>¿Qué es CSS?</a:t>
+              <a:t>Archivos necesarios</a:t>
             </a:r>
           </a:p>
         </p:txBody>
@@ -3896,222 +3728,20 @@
           <a:lstStyle/>
           <a:p>
             <a:r>
-              <a:t>CSS (Cascading Style Sheets) sirve para dar estilo a las páginas HTML.</a:t>
-            </a:r>
-          </a:p>
-          <a:p>
-            <a:r>
-              <a:t>Permite cambiar colores, tamaños, posiciones y diseño.</a:t>
-            </a:r>
-          </a:p>
-        </p:txBody>
-      </p:sp>
-    </p:spTree>
-  </p:cSld>
-  <p:clrMapOvr>
-    <a:masterClrMapping/>
-  </p:clrMapOvr>
-</p:sld>
-</file>
-
-<file path=ppt/slides/slide20.xml><?xml version="1.0" encoding="utf-8"?>
-<p:sld xmlns:a="http://schemas.openxmlformats.org/drawingml/2006/main" xmlns:p="http://schemas.openxmlformats.org/presentationml/2006/main" xmlns:r="http://schemas.openxmlformats.org/officeDocument/2006/relationships">
-  <p:cSld>
-    <p:spTree>
-      <p:nvGrpSpPr>
-        <p:cNvPr id="1" name=""/>
-        <p:cNvGrpSpPr/>
-        <p:nvPr/>
-      </p:nvGrpSpPr>
-      <p:grpSpPr/>
-      <p:sp>
-        <p:nvSpPr>
-          <p:cNvPr id="2" name="Title 1"/>
-          <p:cNvSpPr>
-            <a:spLocks noGrp="1"/>
-          </p:cNvSpPr>
-          <p:nvPr>
-            <p:ph type="title"/>
-          </p:nvPr>
-        </p:nvSpPr>
-        <p:spPr/>
-        <p:txBody>
-          <a:bodyPr/>
-          <a:lstStyle/>
-          <a:p>
-            <a:r>
-              <a:t>Hover</a:t>
-            </a:r>
-          </a:p>
-        </p:txBody>
-      </p:sp>
-      <p:sp>
-        <p:nvSpPr>
-          <p:cNvPr id="3" name="Content Placeholder 2"/>
-          <p:cNvSpPr>
-            <a:spLocks noGrp="1"/>
-          </p:cNvSpPr>
-          <p:nvPr>
-            <p:ph idx="1"/>
-          </p:nvPr>
-        </p:nvSpPr>
-        <p:spPr/>
-        <p:txBody>
-          <a:bodyPr/>
-          <a:lstStyle/>
-          <a:p>
-            <a:r>
-              <a:t>a:hover {</a:t>
-            </a:r>
-          </a:p>
-          <a:p>
-            <a:r>
-              <a:t>  color: red;</a:t>
-            </a:r>
-          </a:p>
-          <a:p>
-            <a:r>
-              <a:t>}</a:t>
-            </a:r>
-          </a:p>
-        </p:txBody>
-      </p:sp>
-    </p:spTree>
-  </p:cSld>
-  <p:clrMapOvr>
-    <a:masterClrMapping/>
-  </p:clrMapOvr>
-</p:sld>
-</file>
-
-<file path=ppt/slides/slide21.xml><?xml version="1.0" encoding="utf-8"?>
-<p:sld xmlns:a="http://schemas.openxmlformats.org/drawingml/2006/main" xmlns:p="http://schemas.openxmlformats.org/presentationml/2006/main" xmlns:r="http://schemas.openxmlformats.org/officeDocument/2006/relationships">
-  <p:cSld>
-    <p:spTree>
-      <p:nvGrpSpPr>
-        <p:cNvPr id="1" name=""/>
-        <p:cNvGrpSpPr/>
-        <p:nvPr/>
-      </p:nvGrpSpPr>
-      <p:grpSpPr/>
-      <p:sp>
-        <p:nvSpPr>
-          <p:cNvPr id="2" name="Title 1"/>
-          <p:cNvSpPr>
-            <a:spLocks noGrp="1"/>
-          </p:cNvSpPr>
-          <p:nvPr>
-            <p:ph type="title"/>
-          </p:nvPr>
-        </p:nvSpPr>
-        <p:spPr/>
-        <p:txBody>
-          <a:bodyPr/>
-          <a:lstStyle/>
-          <a:p>
-            <a:r>
-              <a:t>Comentarios en CSS</a:t>
-            </a:r>
-          </a:p>
-        </p:txBody>
-      </p:sp>
-      <p:sp>
-        <p:nvSpPr>
-          <p:cNvPr id="3" name="Content Placeholder 2"/>
-          <p:cNvSpPr>
-            <a:spLocks noGrp="1"/>
-          </p:cNvSpPr>
-          <p:nvPr>
-            <p:ph idx="1"/>
-          </p:nvPr>
-        </p:nvSpPr>
-        <p:spPr/>
-        <p:txBody>
-          <a:bodyPr/>
-          <a:lstStyle/>
-          <a:p>
-            <a:r>
-              <a:t>/* Esto es un comentario */</a:t>
-            </a:r>
-          </a:p>
-        </p:txBody>
-      </p:sp>
-    </p:spTree>
-  </p:cSld>
-  <p:clrMapOvr>
-    <a:masterClrMapping/>
-  </p:clrMapOvr>
-</p:sld>
-</file>
-
-<file path=ppt/slides/slide22.xml><?xml version="1.0" encoding="utf-8"?>
-<p:sld xmlns:a="http://schemas.openxmlformats.org/drawingml/2006/main" xmlns:p="http://schemas.openxmlformats.org/presentationml/2006/main" xmlns:r="http://schemas.openxmlformats.org/officeDocument/2006/relationships">
-  <p:cSld>
-    <p:spTree>
-      <p:nvGrpSpPr>
-        <p:cNvPr id="1" name=""/>
-        <p:cNvGrpSpPr/>
-        <p:nvPr/>
-      </p:nvGrpSpPr>
-      <p:grpSpPr/>
-      <p:sp>
-        <p:nvSpPr>
-          <p:cNvPr id="2" name="Title 1"/>
-          <p:cNvSpPr>
-            <a:spLocks noGrp="1"/>
-          </p:cNvSpPr>
-          <p:nvPr>
-            <p:ph type="title"/>
-          </p:nvPr>
-        </p:nvSpPr>
-        <p:spPr/>
-        <p:txBody>
-          <a:bodyPr/>
-          <a:lstStyle/>
-          <a:p>
-            <a:r>
-              <a:t>Práctica final</a:t>
-            </a:r>
-          </a:p>
-        </p:txBody>
-      </p:sp>
-      <p:sp>
-        <p:nvSpPr>
-          <p:cNvPr id="3" name="Content Placeholder 2"/>
-          <p:cNvSpPr>
-            <a:spLocks noGrp="1"/>
-          </p:cNvSpPr>
-          <p:nvPr>
-            <p:ph idx="1"/>
-          </p:nvPr>
-        </p:nvSpPr>
-        <p:spPr/>
-        <p:txBody>
-          <a:bodyPr/>
-          <a:lstStyle/>
-          <a:p>
-            <a:r>
-              <a:t>1. Cambia el color del fondo</a:t>
-            </a:r>
-          </a:p>
-          <a:p>
-            <a:r>
-              <a:t>2. Estiliza un título</a:t>
-            </a:r>
-          </a:p>
-          <a:p>
-            <a:r>
-              <a:t>3. Aplica una clase a un div</a:t>
-            </a:r>
-          </a:p>
-          <a:p>
-            <a:r>
-              <a:t>4. Usa margin y padding</a:t>
-            </a:r>
-          </a:p>
-          <a:p>
-            <a:r>
-              <a:t>5. Centra contenido con flexbox</a:t>
+              <a:t>1. index.html</a:t>
+            </a:r>
+          </a:p>
+          <a:p>
+            <a:r>
+              <a:t>2. estilos.css</a:t>
+            </a:r>
+          </a:p>
+          <a:p>
+            <a:endParaRPr/>
+          </a:p>
+          <a:p>
+            <a:r>
+              <a:t>Ambos archivos deben estar en la misma carpeta.</a:t>
             </a:r>
           </a:p>
         </p:txBody>
@@ -4125,7 +3755,7 @@
 </file>
 
 <file path=ppt/slides/slide3.xml><?xml version="1.0" encoding="utf-8"?>
-<p:sld xmlns:a="http://schemas.openxmlformats.org/drawingml/2006/main" xmlns:p="http://schemas.openxmlformats.org/presentationml/2006/main" xmlns:r="http://schemas.openxmlformats.org/officeDocument/2006/relationships">
+<p:sld xmlns:a="http://schemas.openxmlformats.org/drawingml/2006/main" xmlns:r="http://schemas.openxmlformats.org/officeDocument/2006/relationships" xmlns:p="http://schemas.openxmlformats.org/presentationml/2006/main">
   <p:cSld>
     <p:spTree>
       <p:nvGrpSpPr>
@@ -4133,7 +3763,14 @@
         <p:cNvGrpSpPr/>
         <p:nvPr/>
       </p:nvGrpSpPr>
-      <p:grpSpPr/>
+      <p:grpSpPr>
+        <a:xfrm>
+          <a:off x="0" y="0"/>
+          <a:ext cx="0" cy="0"/>
+          <a:chOff x="0" y="0"/>
+          <a:chExt cx="0" cy="0"/>
+        </a:xfrm>
+      </p:grpSpPr>
       <p:sp>
         <p:nvSpPr>
           <p:cNvPr id="2" name="Title 1"/>
@@ -4150,7 +3787,7 @@
           <a:lstStyle/>
           <a:p>
             <a:r>
-              <a:t>Cómo usar CSS</a:t>
+              <a:t>HTML base para la práctica (COPIA TODO)</a:t>
             </a:r>
           </a:p>
         </p:txBody>
@@ -4167,26 +3804,206 @@
         </p:nvSpPr>
         <p:spPr/>
         <p:txBody>
-          <a:bodyPr/>
-          <a:lstStyle/>
-          <a:p>
-            <a:r>
-              <a:t>CSS se puede usar de 3 formas:</a:t>
-            </a:r>
-          </a:p>
-          <a:p>
-            <a:r>
-              <a:t>1. En línea (inline)</a:t>
-            </a:r>
-          </a:p>
-          <a:p>
-            <a:r>
-              <a:t>2. Interno (en &lt;style&gt;)</a:t>
-            </a:r>
-          </a:p>
-          <a:p>
-            <a:r>
-              <a:t>3. Externo (archivo .css)</a:t>
+          <a:bodyPr>
+            <a:noAutofit/>
+          </a:bodyPr>
+          <a:lstStyle/>
+          <a:p>
+            <a:r>
+              <a:rPr sz="1800" dirty="0"/>
+              <a:t>&lt;!DOCTYPE html&gt;</a:t>
+            </a:r>
+          </a:p>
+          <a:p>
+            <a:r>
+              <a:rPr sz="1800" dirty="0"/>
+              <a:t>&lt;html&gt;</a:t>
+            </a:r>
+          </a:p>
+          <a:p>
+            <a:r>
+              <a:rPr sz="1800" dirty="0"/>
+              <a:t>&lt;head&gt;</a:t>
+            </a:r>
+          </a:p>
+          <a:p>
+            <a:r>
+              <a:rPr sz="1800" dirty="0"/>
+              <a:t>  &lt;title&gt;</a:t>
+            </a:r>
+            <a:r>
+              <a:rPr sz="1800" dirty="0" err="1"/>
+              <a:t>Práctica</a:t>
+            </a:r>
+            <a:r>
+              <a:rPr sz="1800" dirty="0"/>
+              <a:t> CSS&lt;/title&gt;</a:t>
+            </a:r>
+          </a:p>
+          <a:p>
+            <a:r>
+              <a:rPr sz="1800" dirty="0"/>
+              <a:t>  &lt;link </a:t>
+            </a:r>
+            <a:r>
+              <a:rPr sz="1800" dirty="0" err="1"/>
+              <a:t>rel</a:t>
+            </a:r>
+            <a:r>
+              <a:rPr sz="1800" dirty="0"/>
+              <a:t>="stylesheet" </a:t>
+            </a:r>
+            <a:r>
+              <a:rPr sz="1800" dirty="0" err="1"/>
+              <a:t>href</a:t>
+            </a:r>
+            <a:r>
+              <a:rPr sz="1800" dirty="0"/>
+              <a:t>="</a:t>
+            </a:r>
+            <a:r>
+              <a:rPr sz="1800" dirty="0" err="1"/>
+              <a:t>estilos.css</a:t>
+            </a:r>
+            <a:r>
+              <a:rPr sz="1800" dirty="0"/>
+              <a:t>"&gt;</a:t>
+            </a:r>
+          </a:p>
+          <a:p>
+            <a:r>
+              <a:rPr sz="1800" dirty="0"/>
+              <a:t>&lt;/head&gt;</a:t>
+            </a:r>
+          </a:p>
+          <a:p>
+            <a:r>
+              <a:rPr sz="1800" dirty="0"/>
+              <a:t>&lt;body&gt;</a:t>
+            </a:r>
+          </a:p>
+          <a:p>
+            <a:r>
+              <a:rPr sz="1800" dirty="0"/>
+              <a:t>  &lt;h1 id="</a:t>
+            </a:r>
+            <a:r>
+              <a:rPr sz="1800" dirty="0" err="1"/>
+              <a:t>titulo</a:t>
+            </a:r>
+            <a:r>
+              <a:rPr sz="1800" dirty="0"/>
+              <a:t>"&gt;Mi </a:t>
+            </a:r>
+            <a:r>
+              <a:rPr sz="1800" dirty="0" err="1"/>
+              <a:t>primera</a:t>
+            </a:r>
+            <a:r>
+              <a:rPr sz="1800" dirty="0"/>
+              <a:t> </a:t>
+            </a:r>
+            <a:r>
+              <a:rPr sz="1800" dirty="0" err="1"/>
+              <a:t>página</a:t>
+            </a:r>
+            <a:r>
+              <a:rPr sz="1800" dirty="0"/>
+              <a:t> con CSS&lt;/h1&gt;</a:t>
+            </a:r>
+          </a:p>
+          <a:p>
+            <a:r>
+              <a:rPr sz="1800" dirty="0"/>
+              <a:t>  &lt;p class="</a:t>
+            </a:r>
+            <a:r>
+              <a:rPr sz="1800" dirty="0" err="1"/>
+              <a:t>texto</a:t>
+            </a:r>
+            <a:r>
+              <a:rPr sz="1800" dirty="0"/>
+              <a:t>"&gt;Este es un </a:t>
+            </a:r>
+            <a:r>
+              <a:rPr sz="1800" dirty="0" err="1"/>
+              <a:t>párrafo</a:t>
+            </a:r>
+            <a:r>
+              <a:rPr sz="1800" dirty="0"/>
+              <a:t> de </a:t>
+            </a:r>
+            <a:r>
+              <a:rPr sz="1800" dirty="0" err="1"/>
+              <a:t>ejemplo</a:t>
+            </a:r>
+            <a:r>
+              <a:rPr sz="1800" dirty="0"/>
+              <a:t>&lt;/p&gt;</a:t>
+            </a:r>
+          </a:p>
+          <a:p>
+            <a:r>
+              <a:rPr sz="1800" dirty="0"/>
+              <a:t>  &lt;div class="</a:t>
+            </a:r>
+            <a:r>
+              <a:rPr sz="1800" dirty="0" err="1"/>
+              <a:t>caja</a:t>
+            </a:r>
+            <a:r>
+              <a:rPr sz="1800" dirty="0"/>
+              <a:t>"&gt;</a:t>
+            </a:r>
+            <a:r>
+              <a:rPr sz="1800" dirty="0" err="1"/>
+              <a:t>Caja</a:t>
+            </a:r>
+            <a:r>
+              <a:rPr sz="1800" dirty="0"/>
+              <a:t> de </a:t>
+            </a:r>
+            <a:r>
+              <a:rPr sz="1800" dirty="0" err="1"/>
+              <a:t>contenido</a:t>
+            </a:r>
+            <a:r>
+              <a:rPr sz="1800" dirty="0"/>
+              <a:t>&lt;/div&gt;</a:t>
+            </a:r>
+          </a:p>
+          <a:p>
+            <a:r>
+              <a:rPr sz="1800" dirty="0"/>
+              <a:t>  &lt;a </a:t>
+            </a:r>
+            <a:r>
+              <a:rPr sz="1800" dirty="0" err="1"/>
+              <a:t>href</a:t>
+            </a:r>
+            <a:r>
+              <a:rPr sz="1800" dirty="0"/>
+              <a:t>="#" class="enlace"&gt;Enlace de </a:t>
+            </a:r>
+            <a:r>
+              <a:rPr sz="1800" dirty="0" err="1"/>
+              <a:t>prueba</a:t>
+            </a:r>
+            <a:r>
+              <a:rPr sz="1800" dirty="0"/>
+              <a:t>&lt;/a&gt;</a:t>
+            </a:r>
+          </a:p>
+          <a:p>
+            <a:r>
+              <a:rPr sz="1800" dirty="0"/>
+              <a:t>&lt;/body&gt;</a:t>
+            </a:r>
+          </a:p>
+          <a:p>
+            <a:r>
+              <a:rPr sz="1800" dirty="0"/>
+              <a:t>&lt;/html&gt;</a:t>
             </a:r>
           </a:p>
         </p:txBody>
@@ -4200,7 +4017,7 @@
 </file>
 
 <file path=ppt/slides/slide4.xml><?xml version="1.0" encoding="utf-8"?>
-<p:sld xmlns:a="http://schemas.openxmlformats.org/drawingml/2006/main" xmlns:p="http://schemas.openxmlformats.org/presentationml/2006/main" xmlns:r="http://schemas.openxmlformats.org/officeDocument/2006/relationships">
+<p:sld xmlns:a="http://schemas.openxmlformats.org/drawingml/2006/main" xmlns:r="http://schemas.openxmlformats.org/officeDocument/2006/relationships" xmlns:p="http://schemas.openxmlformats.org/presentationml/2006/main">
   <p:cSld>
     <p:spTree>
       <p:nvGrpSpPr>
@@ -4208,7 +4025,14 @@
         <p:cNvGrpSpPr/>
         <p:nvPr/>
       </p:nvGrpSpPr>
-      <p:grpSpPr/>
+      <p:grpSpPr>
+        <a:xfrm>
+          <a:off x="0" y="0"/>
+          <a:ext cx="0" cy="0"/>
+          <a:chOff x="0" y="0"/>
+          <a:chExt cx="0" cy="0"/>
+        </a:xfrm>
+      </p:grpSpPr>
       <p:sp>
         <p:nvSpPr>
           <p:cNvPr id="2" name="Title 1"/>
@@ -4225,7 +4049,7 @@
           <a:lstStyle/>
           <a:p>
             <a:r>
-              <a:t>Crear archivo CSS en VS Code</a:t>
+              <a:t>Estructura básica de CSS (COPIA)</a:t>
             </a:r>
           </a:p>
         </p:txBody>
@@ -4246,22 +4070,40 @@
           <a:lstStyle/>
           <a:p>
             <a:r>
-              <a:t>1. Abre tu carpeta del proyecto</a:t>
-            </a:r>
-          </a:p>
-          <a:p>
-            <a:r>
-              <a:t>2. Crea un archivo nuevo</a:t>
-            </a:r>
-          </a:p>
-          <a:p>
-            <a:r>
-              <a:t>3. Guárdalo como: estilos.css</a:t>
-            </a:r>
-          </a:p>
-          <a:p>
-            <a:r>
-              <a:t>4. Asegúrate que termine en .css</a:t>
+              <a:t>selector {</a:t>
+            </a:r>
+          </a:p>
+          <a:p>
+            <a:r>
+              <a:t>  propiedad: valor;</a:t>
+            </a:r>
+          </a:p>
+          <a:p>
+            <a:r>
+              <a:t>}</a:t>
+            </a:r>
+          </a:p>
+          <a:p>
+            <a:endParaRPr/>
+          </a:p>
+          <a:p>
+            <a:r>
+              <a:t>Ejemplo:</a:t>
+            </a:r>
+          </a:p>
+          <a:p>
+            <a:r>
+              <a:t>p {</a:t>
+            </a:r>
+          </a:p>
+          <a:p>
+            <a:r>
+              <a:t>  color: black;</a:t>
+            </a:r>
+          </a:p>
+          <a:p>
+            <a:r>
+              <a:t>}</a:t>
             </a:r>
           </a:p>
         </p:txBody>
@@ -4275,7 +4117,7 @@
 </file>
 
 <file path=ppt/slides/slide5.xml><?xml version="1.0" encoding="utf-8"?>
-<p:sld xmlns:a="http://schemas.openxmlformats.org/drawingml/2006/main" xmlns:p="http://schemas.openxmlformats.org/presentationml/2006/main" xmlns:r="http://schemas.openxmlformats.org/officeDocument/2006/relationships">
+<p:sld xmlns:a="http://schemas.openxmlformats.org/drawingml/2006/main" xmlns:r="http://schemas.openxmlformats.org/officeDocument/2006/relationships" xmlns:p="http://schemas.openxmlformats.org/presentationml/2006/main">
   <p:cSld>
     <p:spTree>
       <p:nvGrpSpPr>
@@ -4283,7 +4125,14 @@
         <p:cNvGrpSpPr/>
         <p:nvPr/>
       </p:nvGrpSpPr>
-      <p:grpSpPr/>
+      <p:grpSpPr>
+        <a:xfrm>
+          <a:off x="0" y="0"/>
+          <a:ext cx="0" cy="0"/>
+          <a:chOff x="0" y="0"/>
+          <a:chExt cx="0" cy="0"/>
+        </a:xfrm>
+      </p:grpSpPr>
       <p:sp>
         <p:nvSpPr>
           <p:cNvPr id="2" name="Title 1"/>
@@ -4300,7 +4149,7 @@
           <a:lstStyle/>
           <a:p>
             <a:r>
-              <a:t>Vincular CSS con HTML</a:t>
+              <a:t>Estilos generales del body (COPIA)</a:t>
             </a:r>
           </a:p>
         </p:txBody>
@@ -4321,13 +4170,27 @@
           <a:lstStyle/>
           <a:p>
             <a:r>
-              <a:t>&lt;link rel="stylesheet" href="estilos.css"&gt;</a:t>
-            </a:r>
-          </a:p>
-          <a:p/>
-          <a:p>
-            <a:r>
-              <a:t>Esta línea va dentro de &lt;head&gt;</a:t>
+              <a:t>body {</a:t>
+            </a:r>
+          </a:p>
+          <a:p>
+            <a:r>
+              <a:t>  background-color: #f2f2f2;</a:t>
+            </a:r>
+          </a:p>
+          <a:p>
+            <a:r>
+              <a:t>  font-family: Arial, sans-serif;</a:t>
+            </a:r>
+          </a:p>
+          <a:p>
+            <a:r>
+              <a:t>  padding: 20px;</a:t>
+            </a:r>
+          </a:p>
+          <a:p>
+            <a:r>
+              <a:t>}</a:t>
             </a:r>
           </a:p>
         </p:txBody>
@@ -4341,7 +4204,7 @@
 </file>
 
 <file path=ppt/slides/slide6.xml><?xml version="1.0" encoding="utf-8"?>
-<p:sld xmlns:a="http://schemas.openxmlformats.org/drawingml/2006/main" xmlns:p="http://schemas.openxmlformats.org/presentationml/2006/main" xmlns:r="http://schemas.openxmlformats.org/officeDocument/2006/relationships">
+<p:sld xmlns:a="http://schemas.openxmlformats.org/drawingml/2006/main" xmlns:r="http://schemas.openxmlformats.org/officeDocument/2006/relationships" xmlns:p="http://schemas.openxmlformats.org/presentationml/2006/main">
   <p:cSld>
     <p:spTree>
       <p:nvGrpSpPr>
@@ -4349,7 +4212,14 @@
         <p:cNvGrpSpPr/>
         <p:nvPr/>
       </p:nvGrpSpPr>
-      <p:grpSpPr/>
+      <p:grpSpPr>
+        <a:xfrm>
+          <a:off x="0" y="0"/>
+          <a:ext cx="0" cy="0"/>
+          <a:chOff x="0" y="0"/>
+          <a:chExt cx="0" cy="0"/>
+        </a:xfrm>
+      </p:grpSpPr>
       <p:sp>
         <p:nvSpPr>
           <p:cNvPr id="2" name="Title 1"/>
@@ -4366,7 +4236,7 @@
           <a:lstStyle/>
           <a:p>
             <a:r>
-              <a:t>Estructura básica de CSS</a:t>
+              <a:t>Estilo del título (COPIA)</a:t>
             </a:r>
           </a:p>
         </p:txBody>
@@ -4387,33 +4257,22 @@
           <a:lstStyle/>
           <a:p>
             <a:r>
-              <a:t>selector {</a:t>
-            </a:r>
-          </a:p>
-          <a:p>
-            <a:r>
-              <a:t>  propiedad: valor;</a:t>
-            </a:r>
-          </a:p>
-          <a:p>
-            <a:r>
-              <a:t>}</a:t>
-            </a:r>
-          </a:p>
-          <a:p/>
-          <a:p>
-            <a:r>
-              <a:t>Ejemplo:</a:t>
-            </a:r>
-          </a:p>
-          <a:p>
-            <a:r>
-              <a:t>p {</a:t>
-            </a:r>
-          </a:p>
-          <a:p>
-            <a:r>
-              <a:t>  color: red;</a:t>
+              <a:t>#titulo {</a:t>
+            </a:r>
+          </a:p>
+          <a:p>
+            <a:r>
+              <a:t>  color: #2c3e50;</a:t>
+            </a:r>
+          </a:p>
+          <a:p>
+            <a:r>
+              <a:t>  text-align: center;</a:t>
+            </a:r>
+          </a:p>
+          <a:p>
+            <a:r>
+              <a:t>  margin-bottom: 20px;</a:t>
             </a:r>
           </a:p>
           <a:p>
@@ -4432,7 +4291,7 @@
 </file>
 
 <file path=ppt/slides/slide7.xml><?xml version="1.0" encoding="utf-8"?>
-<p:sld xmlns:a="http://schemas.openxmlformats.org/drawingml/2006/main" xmlns:p="http://schemas.openxmlformats.org/presentationml/2006/main" xmlns:r="http://schemas.openxmlformats.org/officeDocument/2006/relationships">
+<p:sld xmlns:a="http://schemas.openxmlformats.org/drawingml/2006/main" xmlns:r="http://schemas.openxmlformats.org/officeDocument/2006/relationships" xmlns:p="http://schemas.openxmlformats.org/presentationml/2006/main">
   <p:cSld>
     <p:spTree>
       <p:nvGrpSpPr>
@@ -4440,7 +4299,14 @@
         <p:cNvGrpSpPr/>
         <p:nvPr/>
       </p:nvGrpSpPr>
-      <p:grpSpPr/>
+      <p:grpSpPr>
+        <a:xfrm>
+          <a:off x="0" y="0"/>
+          <a:ext cx="0" cy="0"/>
+          <a:chOff x="0" y="0"/>
+          <a:chExt cx="0" cy="0"/>
+        </a:xfrm>
+      </p:grpSpPr>
       <p:sp>
         <p:nvSpPr>
           <p:cNvPr id="2" name="Title 1"/>
@@ -4457,7 +4323,7 @@
           <a:lstStyle/>
           <a:p>
             <a:r>
-              <a:t>Selectores básicos</a:t>
+              <a:t>Estilo del párrafo (COPIA)</a:t>
             </a:r>
           </a:p>
         </p:txBody>
@@ -4478,17 +4344,27 @@
           <a:lstStyle/>
           <a:p>
             <a:r>
-              <a:t>p { }</a:t>
-            </a:r>
-          </a:p>
-          <a:p>
-            <a:r>
-              <a:t>h1 { }</a:t>
-            </a:r>
-          </a:p>
-          <a:p>
-            <a:r>
-              <a:t>div { }</a:t>
+              <a:t>.texto {</a:t>
+            </a:r>
+          </a:p>
+          <a:p>
+            <a:r>
+              <a:t>  font-size: 18px;</a:t>
+            </a:r>
+          </a:p>
+          <a:p>
+            <a:r>
+              <a:t>  color: #333333;</a:t>
+            </a:r>
+          </a:p>
+          <a:p>
+            <a:r>
+              <a:t>  margin-bottom: 15px;</a:t>
+            </a:r>
+          </a:p>
+          <a:p>
+            <a:r>
+              <a:t>}</a:t>
             </a:r>
           </a:p>
         </p:txBody>
@@ -4502,7 +4378,7 @@
 </file>
 
 <file path=ppt/slides/slide8.xml><?xml version="1.0" encoding="utf-8"?>
-<p:sld xmlns:a="http://schemas.openxmlformats.org/drawingml/2006/main" xmlns:p="http://schemas.openxmlformats.org/presentationml/2006/main" xmlns:r="http://schemas.openxmlformats.org/officeDocument/2006/relationships">
+<p:sld xmlns:a="http://schemas.openxmlformats.org/drawingml/2006/main" xmlns:r="http://schemas.openxmlformats.org/officeDocument/2006/relationships" xmlns:p="http://schemas.openxmlformats.org/presentationml/2006/main">
   <p:cSld>
     <p:spTree>
       <p:nvGrpSpPr>
@@ -4510,7 +4386,14 @@
         <p:cNvGrpSpPr/>
         <p:nvPr/>
       </p:nvGrpSpPr>
-      <p:grpSpPr/>
+      <p:grpSpPr>
+        <a:xfrm>
+          <a:off x="0" y="0"/>
+          <a:ext cx="0" cy="0"/>
+          <a:chOff x="0" y="0"/>
+          <a:chExt cx="0" cy="0"/>
+        </a:xfrm>
+      </p:grpSpPr>
       <p:sp>
         <p:nvSpPr>
           <p:cNvPr id="2" name="Title 1"/>
@@ -4527,7 +4410,7 @@
           <a:lstStyle/>
           <a:p>
             <a:r>
-              <a:t>Selector por clase</a:t>
+              <a:t>Caja con diseño (COPIA)</a:t>
             </a:r>
           </a:p>
         </p:txBody>
@@ -4553,23 +4436,32 @@
           </a:p>
           <a:p>
             <a:r>
-              <a:t>  background-color: lightblue;</a:t>
+              <a:t>  background-color: #ffffff;</a:t>
+            </a:r>
+          </a:p>
+          <a:p>
+            <a:r>
+              <a:t>  border: 2px solid #3498db;</a:t>
+            </a:r>
+          </a:p>
+          <a:p>
+            <a:r>
+              <a:t>  padding: 20px;</a:t>
+            </a:r>
+          </a:p>
+          <a:p>
+            <a:r>
+              <a:t>  width: 250px;</a:t>
+            </a:r>
+          </a:p>
+          <a:p>
+            <a:r>
+              <a:t>  margin-bottom: 20px;</a:t>
             </a:r>
           </a:p>
           <a:p>
             <a:r>
               <a:t>}</a:t>
-            </a:r>
-          </a:p>
-          <a:p/>
-          <a:p>
-            <a:r>
-              <a:t>HTML:</a:t>
-            </a:r>
-          </a:p>
-          <a:p>
-            <a:r>
-              <a:t>&lt;div class="caja"&gt;&lt;/div&gt;</a:t>
             </a:r>
           </a:p>
         </p:txBody>
@@ -4583,7 +4475,7 @@
 </file>
 
 <file path=ppt/slides/slide9.xml><?xml version="1.0" encoding="utf-8"?>
-<p:sld xmlns:a="http://schemas.openxmlformats.org/drawingml/2006/main" xmlns:p="http://schemas.openxmlformats.org/presentationml/2006/main" xmlns:r="http://schemas.openxmlformats.org/officeDocument/2006/relationships">
+<p:sld xmlns:a="http://schemas.openxmlformats.org/drawingml/2006/main" xmlns:r="http://schemas.openxmlformats.org/officeDocument/2006/relationships" xmlns:p="http://schemas.openxmlformats.org/presentationml/2006/main">
   <p:cSld>
     <p:spTree>
       <p:nvGrpSpPr>
@@ -4591,7 +4483,14 @@
         <p:cNvGrpSpPr/>
         <p:nvPr/>
       </p:nvGrpSpPr>
-      <p:grpSpPr/>
+      <p:grpSpPr>
+        <a:xfrm>
+          <a:off x="0" y="0"/>
+          <a:ext cx="0" cy="0"/>
+          <a:chOff x="0" y="0"/>
+          <a:chExt cx="0" cy="0"/>
+        </a:xfrm>
+      </p:grpSpPr>
       <p:sp>
         <p:nvSpPr>
           <p:cNvPr id="2" name="Title 1"/>
@@ -4608,7 +4507,7 @@
           <a:lstStyle/>
           <a:p>
             <a:r>
-              <a:t>Selector por id</a:t>
+              <a:t>Box Model explicado</a:t>
             </a:r>
           </a:p>
         </p:txBody>
@@ -4629,28 +4528,22 @@
           <a:lstStyle/>
           <a:p>
             <a:r>
-              <a:t>#titulo {</a:t>
-            </a:r>
-          </a:p>
-          <a:p>
-            <a:r>
-              <a:t>  color: blue;</a:t>
-            </a:r>
-          </a:p>
-          <a:p>
-            <a:r>
-              <a:t>}</a:t>
-            </a:r>
-          </a:p>
-          <a:p/>
-          <a:p>
-            <a:r>
-              <a:t>HTML:</a:t>
-            </a:r>
-          </a:p>
-          <a:p>
-            <a:r>
-              <a:t>&lt;h1 id="titulo"&gt;&lt;/h1&gt;</a:t>
+              <a:t>margin: espacio exterior</a:t>
+            </a:r>
+          </a:p>
+          <a:p>
+            <a:r>
+              <a:t>border: borde del elemento</a:t>
+            </a:r>
+          </a:p>
+          <a:p>
+            <a:r>
+              <a:t>padding: espacio interior</a:t>
+            </a:r>
+          </a:p>
+          <a:p>
+            <a:r>
+              <a:t>content: contenido</a:t>
             </a:r>
           </a:p>
         </p:txBody>
